--- a/非受控文档/01-江亮儒/PRD2018-G11-SRS.pptx
+++ b/非受控文档/01-江亮儒/PRD2018-G11-SRS.pptx
@@ -452,6 +452,7 @@
     </c:plotArea>
     <c:legend>
       <c:legendPos val="r"/>
+      <c:layout/>
       <c:overlay val="0"/>
       <c:txPr>
         <a:bodyPr rot="0" spcFirstLastPara="0" vertOverflow="ellipsis" vert="horz" wrap="square" anchor="ctr" anchorCtr="1"/>
@@ -755,6 +756,7 @@
     </c:plotArea>
     <c:legend>
       <c:legendPos val="r"/>
+      <c:layout/>
       <c:overlay val="0"/>
       <c:txPr>
         <a:bodyPr rot="0" spcFirstLastPara="0" vertOverflow="ellipsis" vert="horz" wrap="square" anchor="ctr" anchorCtr="1"/>
@@ -1058,6 +1060,7 @@
     </c:plotArea>
     <c:legend>
       <c:legendPos val="r"/>
+      <c:layout/>
       <c:overlay val="0"/>
       <c:txPr>
         <a:bodyPr rot="0" spcFirstLastPara="0" vertOverflow="ellipsis" vert="horz" wrap="square" anchor="ctr" anchorCtr="1"/>
@@ -1361,6 +1364,7 @@
     </c:plotArea>
     <c:legend>
       <c:legendPos val="r"/>
+      <c:layout/>
       <c:overlay val="0"/>
       <c:txPr>
         <a:bodyPr rot="0" spcFirstLastPara="0" vertOverflow="ellipsis" vert="horz" wrap="square" anchor="ctr" anchorCtr="1"/>
@@ -1664,6 +1668,7 @@
     </c:plotArea>
     <c:legend>
       <c:legendPos val="r"/>
+      <c:layout/>
       <c:overlay val="0"/>
       <c:txPr>
         <a:bodyPr rot="0" spcFirstLastPara="0" vertOverflow="ellipsis" vert="horz" wrap="square" anchor="ctr" anchorCtr="1"/>
@@ -2361,6 +2366,90 @@
           <a:p>
             <a:fld id="{74AC173A-3DA8-4893-B28A-1E15F55C330A}" type="slidenum">
               <a:rPr lang="zh-CN" altLang="en-US" smtClean="0"/>
+              <a:t>17</a:t>
+            </a:fld>
+            <a:endParaRPr lang="zh-CN" altLang="en-US"/>
+          </a:p>
+        </p:txBody>
+      </p:sp>
+    </p:spTree>
+    <p:extLst>
+      <p:ext uri="{BB962C8B-B14F-4D97-AF65-F5344CB8AC3E}">
+        <p14:creationId xmlns:p14="http://schemas.microsoft.com/office/powerpoint/2010/main" val="3370325408"/>
+      </p:ext>
+    </p:extLst>
+  </p:cSld>
+  <p:clrMapOvr>
+    <a:masterClrMapping/>
+  </p:clrMapOvr>
+</p:notes>
+</file>
+
+<file path=ppt/notesSlides/notesSlide11.xml><?xml version="1.0" encoding="utf-8"?>
+<p:notes xmlns:a="http://schemas.openxmlformats.org/drawingml/2006/main" xmlns:r="http://schemas.openxmlformats.org/officeDocument/2006/relationships" xmlns:p="http://schemas.openxmlformats.org/presentationml/2006/main">
+  <p:cSld>
+    <p:spTree>
+      <p:nvGrpSpPr>
+        <p:cNvPr id="1" name=""/>
+        <p:cNvGrpSpPr/>
+        <p:nvPr/>
+      </p:nvGrpSpPr>
+      <p:grpSpPr>
+        <a:xfrm>
+          <a:off x="0" y="0"/>
+          <a:ext cx="0" cy="0"/>
+          <a:chOff x="0" y="0"/>
+          <a:chExt cx="0" cy="0"/>
+        </a:xfrm>
+      </p:grpSpPr>
+      <p:sp>
+        <p:nvSpPr>
+          <p:cNvPr id="2" name="幻灯片图像占位符 1"/>
+          <p:cNvSpPr>
+            <a:spLocks noGrp="1" noRot="1" noChangeAspect="1"/>
+          </p:cNvSpPr>
+          <p:nvPr>
+            <p:ph type="sldImg"/>
+          </p:nvPr>
+        </p:nvSpPr>
+        <p:spPr/>
+      </p:sp>
+      <p:sp>
+        <p:nvSpPr>
+          <p:cNvPr id="3" name="备注占位符 2"/>
+          <p:cNvSpPr>
+            <a:spLocks noGrp="1"/>
+          </p:cNvSpPr>
+          <p:nvPr>
+            <p:ph type="body" idx="1"/>
+          </p:nvPr>
+        </p:nvSpPr>
+        <p:spPr/>
+        <p:txBody>
+          <a:bodyPr/>
+          <a:lstStyle/>
+          <a:p>
+            <a:endParaRPr lang="zh-CN" altLang="en-US" dirty="0"/>
+          </a:p>
+        </p:txBody>
+      </p:sp>
+      <p:sp>
+        <p:nvSpPr>
+          <p:cNvPr id="4" name="灯片编号占位符 3"/>
+          <p:cNvSpPr>
+            <a:spLocks noGrp="1"/>
+          </p:cNvSpPr>
+          <p:nvPr>
+            <p:ph type="sldNum" sz="quarter" idx="10"/>
+          </p:nvPr>
+        </p:nvSpPr>
+        <p:spPr/>
+        <p:txBody>
+          <a:bodyPr/>
+          <a:lstStyle/>
+          <a:p>
+            <a:fld id="{74AC173A-3DA8-4893-B28A-1E15F55C330A}" type="slidenum">
+              <a:rPr lang="zh-CN" altLang="en-US" smtClean="0"/>
               <a:t>19</a:t>
             </a:fld>
             <a:endParaRPr lang="zh-CN" altLang="en-US"/>
@@ -2380,7 +2469,7 @@
 </p:notes>
 </file>
 
-<file path=ppt/notesSlides/notesSlide11.xml><?xml version="1.0" encoding="utf-8"?>
+<file path=ppt/notesSlides/notesSlide12.xml><?xml version="1.0" encoding="utf-8"?>
 <p:notes xmlns:a="http://schemas.openxmlformats.org/drawingml/2006/main" xmlns:r="http://schemas.openxmlformats.org/officeDocument/2006/relationships" xmlns:p="http://schemas.openxmlformats.org/presentationml/2006/main">
   <p:cSld>
     <p:spTree>
@@ -2464,7 +2553,7 @@
 </p:notes>
 </file>
 
-<file path=ppt/notesSlides/notesSlide12.xml><?xml version="1.0" encoding="utf-8"?>
+<file path=ppt/notesSlides/notesSlide13.xml><?xml version="1.0" encoding="utf-8"?>
 <p:notes xmlns:a="http://schemas.openxmlformats.org/drawingml/2006/main" xmlns:r="http://schemas.openxmlformats.org/officeDocument/2006/relationships" xmlns:p="http://schemas.openxmlformats.org/presentationml/2006/main">
   <p:cSld>
     <p:spTree>
@@ -2548,7 +2637,7 @@
 </p:notes>
 </file>
 
-<file path=ppt/notesSlides/notesSlide13.xml><?xml version="1.0" encoding="utf-8"?>
+<file path=ppt/notesSlides/notesSlide14.xml><?xml version="1.0" encoding="utf-8"?>
 <p:notes xmlns:a="http://schemas.openxmlformats.org/drawingml/2006/main" xmlns:r="http://schemas.openxmlformats.org/officeDocument/2006/relationships" xmlns:p="http://schemas.openxmlformats.org/presentationml/2006/main">
   <p:cSld>
     <p:spTree>
@@ -2632,7 +2721,7 @@
 </p:notes>
 </file>
 
-<file path=ppt/notesSlides/notesSlide14.xml><?xml version="1.0" encoding="utf-8"?>
+<file path=ppt/notesSlides/notesSlide15.xml><?xml version="1.0" encoding="utf-8"?>
 <p:notes xmlns:a="http://schemas.openxmlformats.org/drawingml/2006/main" xmlns:r="http://schemas.openxmlformats.org/officeDocument/2006/relationships" xmlns:p="http://schemas.openxmlformats.org/presentationml/2006/main">
   <p:cSld>
     <p:spTree>
@@ -2716,7 +2805,7 @@
 </p:notes>
 </file>
 
-<file path=ppt/notesSlides/notesSlide15.xml><?xml version="1.0" encoding="utf-8"?>
+<file path=ppt/notesSlides/notesSlide16.xml><?xml version="1.0" encoding="utf-8"?>
 <p:notes xmlns:a="http://schemas.openxmlformats.org/drawingml/2006/main" xmlns:r="http://schemas.openxmlformats.org/officeDocument/2006/relationships" xmlns:p="http://schemas.openxmlformats.org/presentationml/2006/main">
   <p:cSld>
     <p:spTree>
@@ -2800,7 +2889,7 @@
 </p:notes>
 </file>
 
-<file path=ppt/notesSlides/notesSlide16.xml><?xml version="1.0" encoding="utf-8"?>
+<file path=ppt/notesSlides/notesSlide17.xml><?xml version="1.0" encoding="utf-8"?>
 <p:notes xmlns:a="http://schemas.openxmlformats.org/drawingml/2006/main" xmlns:r="http://schemas.openxmlformats.org/officeDocument/2006/relationships" xmlns:p="http://schemas.openxmlformats.org/presentationml/2006/main">
   <p:cSld>
     <p:spTree>
@@ -2879,7 +2968,7 @@
 </p:notes>
 </file>
 
-<file path=ppt/notesSlides/notesSlide17.xml><?xml version="1.0" encoding="utf-8"?>
+<file path=ppt/notesSlides/notesSlide18.xml><?xml version="1.0" encoding="utf-8"?>
 <p:notes xmlns:a="http://schemas.openxmlformats.org/drawingml/2006/main" xmlns:r="http://schemas.openxmlformats.org/officeDocument/2006/relationships" xmlns:p="http://schemas.openxmlformats.org/presentationml/2006/main">
   <p:cSld>
     <p:spTree>
@@ -2958,7 +3047,7 @@
 </p:notes>
 </file>
 
-<file path=ppt/notesSlides/notesSlide18.xml><?xml version="1.0" encoding="utf-8"?>
+<file path=ppt/notesSlides/notesSlide19.xml><?xml version="1.0" encoding="utf-8"?>
 <p:notes xmlns:a="http://schemas.openxmlformats.org/drawingml/2006/main" xmlns:r="http://schemas.openxmlformats.org/officeDocument/2006/relationships" xmlns:p="http://schemas.openxmlformats.org/presentationml/2006/main">
   <p:cSld>
     <p:spTree>
@@ -3024,85 +3113,6 @@
             <a:fld id="{74AC173A-3DA8-4893-B28A-1E15F55C330A}" type="slidenum">
               <a:rPr lang="zh-CN" altLang="en-US" smtClean="0"/>
               <a:t>29</a:t>
-            </a:fld>
-            <a:endParaRPr lang="zh-CN" altLang="en-US"/>
-          </a:p>
-        </p:txBody>
-      </p:sp>
-    </p:spTree>
-  </p:cSld>
-  <p:clrMapOvr>
-    <a:masterClrMapping/>
-  </p:clrMapOvr>
-</p:notes>
-</file>
-
-<file path=ppt/notesSlides/notesSlide19.xml><?xml version="1.0" encoding="utf-8"?>
-<p:notes xmlns:a="http://schemas.openxmlformats.org/drawingml/2006/main" xmlns:r="http://schemas.openxmlformats.org/officeDocument/2006/relationships" xmlns:p="http://schemas.openxmlformats.org/presentationml/2006/main">
-  <p:cSld>
-    <p:spTree>
-      <p:nvGrpSpPr>
-        <p:cNvPr id="1" name=""/>
-        <p:cNvGrpSpPr/>
-        <p:nvPr/>
-      </p:nvGrpSpPr>
-      <p:grpSpPr>
-        <a:xfrm>
-          <a:off x="0" y="0"/>
-          <a:ext cx="0" cy="0"/>
-          <a:chOff x="0" y="0"/>
-          <a:chExt cx="0" cy="0"/>
-        </a:xfrm>
-      </p:grpSpPr>
-      <p:sp>
-        <p:nvSpPr>
-          <p:cNvPr id="2" name="幻灯片图像占位符 1"/>
-          <p:cNvSpPr>
-            <a:spLocks noGrp="1" noRot="1" noChangeAspect="1"/>
-          </p:cNvSpPr>
-          <p:nvPr>
-            <p:ph type="sldImg"/>
-          </p:nvPr>
-        </p:nvSpPr>
-        <p:spPr/>
-      </p:sp>
-      <p:sp>
-        <p:nvSpPr>
-          <p:cNvPr id="3" name="备注占位符 2"/>
-          <p:cNvSpPr>
-            <a:spLocks noGrp="1"/>
-          </p:cNvSpPr>
-          <p:nvPr>
-            <p:ph type="body" idx="1"/>
-          </p:nvPr>
-        </p:nvSpPr>
-        <p:spPr/>
-        <p:txBody>
-          <a:bodyPr/>
-          <a:lstStyle/>
-          <a:p>
-            <a:endParaRPr lang="zh-CN" altLang="en-US"/>
-          </a:p>
-        </p:txBody>
-      </p:sp>
-      <p:sp>
-        <p:nvSpPr>
-          <p:cNvPr id="4" name="灯片编号占位符 3"/>
-          <p:cNvSpPr>
-            <a:spLocks noGrp="1"/>
-          </p:cNvSpPr>
-          <p:nvPr>
-            <p:ph type="sldNum" sz="quarter" idx="10"/>
-          </p:nvPr>
-        </p:nvSpPr>
-        <p:spPr/>
-        <p:txBody>
-          <a:bodyPr/>
-          <a:lstStyle/>
-          <a:p>
-            <a:fld id="{74AC173A-3DA8-4893-B28A-1E15F55C330A}" type="slidenum">
-              <a:rPr lang="zh-CN" altLang="en-US" smtClean="0"/>
-              <a:t>30</a:t>
             </a:fld>
             <a:endParaRPr lang="zh-CN" altLang="en-US"/>
           </a:p>
@@ -3196,6 +3206,85 @@
 </file>
 
 <file path=ppt/notesSlides/notesSlide20.xml><?xml version="1.0" encoding="utf-8"?>
+<p:notes xmlns:a="http://schemas.openxmlformats.org/drawingml/2006/main" xmlns:r="http://schemas.openxmlformats.org/officeDocument/2006/relationships" xmlns:p="http://schemas.openxmlformats.org/presentationml/2006/main">
+  <p:cSld>
+    <p:spTree>
+      <p:nvGrpSpPr>
+        <p:cNvPr id="1" name=""/>
+        <p:cNvGrpSpPr/>
+        <p:nvPr/>
+      </p:nvGrpSpPr>
+      <p:grpSpPr>
+        <a:xfrm>
+          <a:off x="0" y="0"/>
+          <a:ext cx="0" cy="0"/>
+          <a:chOff x="0" y="0"/>
+          <a:chExt cx="0" cy="0"/>
+        </a:xfrm>
+      </p:grpSpPr>
+      <p:sp>
+        <p:nvSpPr>
+          <p:cNvPr id="2" name="幻灯片图像占位符 1"/>
+          <p:cNvSpPr>
+            <a:spLocks noGrp="1" noRot="1" noChangeAspect="1"/>
+          </p:cNvSpPr>
+          <p:nvPr>
+            <p:ph type="sldImg"/>
+          </p:nvPr>
+        </p:nvSpPr>
+        <p:spPr/>
+      </p:sp>
+      <p:sp>
+        <p:nvSpPr>
+          <p:cNvPr id="3" name="备注占位符 2"/>
+          <p:cNvSpPr>
+            <a:spLocks noGrp="1"/>
+          </p:cNvSpPr>
+          <p:nvPr>
+            <p:ph type="body" idx="1"/>
+          </p:nvPr>
+        </p:nvSpPr>
+        <p:spPr/>
+        <p:txBody>
+          <a:bodyPr/>
+          <a:lstStyle/>
+          <a:p>
+            <a:endParaRPr lang="zh-CN" altLang="en-US"/>
+          </a:p>
+        </p:txBody>
+      </p:sp>
+      <p:sp>
+        <p:nvSpPr>
+          <p:cNvPr id="4" name="灯片编号占位符 3"/>
+          <p:cNvSpPr>
+            <a:spLocks noGrp="1"/>
+          </p:cNvSpPr>
+          <p:nvPr>
+            <p:ph type="sldNum" sz="quarter" idx="10"/>
+          </p:nvPr>
+        </p:nvSpPr>
+        <p:spPr/>
+        <p:txBody>
+          <a:bodyPr/>
+          <a:lstStyle/>
+          <a:p>
+            <a:fld id="{74AC173A-3DA8-4893-B28A-1E15F55C330A}" type="slidenum">
+              <a:rPr lang="zh-CN" altLang="en-US" smtClean="0"/>
+              <a:t>30</a:t>
+            </a:fld>
+            <a:endParaRPr lang="zh-CN" altLang="en-US"/>
+          </a:p>
+        </p:txBody>
+      </p:sp>
+    </p:spTree>
+  </p:cSld>
+  <p:clrMapOvr>
+    <a:masterClrMapping/>
+  </p:clrMapOvr>
+</p:notes>
+</file>
+
+<file path=ppt/notesSlides/notesSlide21.xml><?xml version="1.0" encoding="utf-8"?>
 <p:notes xmlns:a="http://schemas.openxmlformats.org/drawingml/2006/main" xmlns:r="http://schemas.openxmlformats.org/officeDocument/2006/relationships" xmlns:p="http://schemas.openxmlformats.org/presentationml/2006/main">
   <p:cSld>
     <p:spTree>
@@ -3423,6 +3512,90 @@
           <a:p>
             <a:fld id="{74AC173A-3DA8-4893-B28A-1E15F55C330A}" type="slidenum">
               <a:rPr lang="zh-CN" altLang="en-US" smtClean="0"/>
+              <a:t>5</a:t>
+            </a:fld>
+            <a:endParaRPr lang="zh-CN" altLang="en-US"/>
+          </a:p>
+        </p:txBody>
+      </p:sp>
+    </p:spTree>
+    <p:extLst>
+      <p:ext uri="{BB962C8B-B14F-4D97-AF65-F5344CB8AC3E}">
+        <p14:creationId xmlns:p14="http://schemas.microsoft.com/office/powerpoint/2010/main" val="2074149680"/>
+      </p:ext>
+    </p:extLst>
+  </p:cSld>
+  <p:clrMapOvr>
+    <a:masterClrMapping/>
+  </p:clrMapOvr>
+</p:notes>
+</file>
+
+<file path=ppt/notesSlides/notesSlide5.xml><?xml version="1.0" encoding="utf-8"?>
+<p:notes xmlns:a="http://schemas.openxmlformats.org/drawingml/2006/main" xmlns:r="http://schemas.openxmlformats.org/officeDocument/2006/relationships" xmlns:p="http://schemas.openxmlformats.org/presentationml/2006/main">
+  <p:cSld>
+    <p:spTree>
+      <p:nvGrpSpPr>
+        <p:cNvPr id="1" name=""/>
+        <p:cNvGrpSpPr/>
+        <p:nvPr/>
+      </p:nvGrpSpPr>
+      <p:grpSpPr>
+        <a:xfrm>
+          <a:off x="0" y="0"/>
+          <a:ext cx="0" cy="0"/>
+          <a:chOff x="0" y="0"/>
+          <a:chExt cx="0" cy="0"/>
+        </a:xfrm>
+      </p:grpSpPr>
+      <p:sp>
+        <p:nvSpPr>
+          <p:cNvPr id="2" name="幻灯片图像占位符 1"/>
+          <p:cNvSpPr>
+            <a:spLocks noGrp="1" noRot="1" noChangeAspect="1"/>
+          </p:cNvSpPr>
+          <p:nvPr>
+            <p:ph type="sldImg"/>
+          </p:nvPr>
+        </p:nvSpPr>
+        <p:spPr/>
+      </p:sp>
+      <p:sp>
+        <p:nvSpPr>
+          <p:cNvPr id="3" name="备注占位符 2"/>
+          <p:cNvSpPr>
+            <a:spLocks noGrp="1"/>
+          </p:cNvSpPr>
+          <p:nvPr>
+            <p:ph type="body" idx="1"/>
+          </p:nvPr>
+        </p:nvSpPr>
+        <p:spPr/>
+        <p:txBody>
+          <a:bodyPr/>
+          <a:lstStyle/>
+          <a:p>
+            <a:endParaRPr lang="zh-CN" altLang="en-US" dirty="0"/>
+          </a:p>
+        </p:txBody>
+      </p:sp>
+      <p:sp>
+        <p:nvSpPr>
+          <p:cNvPr id="4" name="灯片编号占位符 3"/>
+          <p:cNvSpPr>
+            <a:spLocks noGrp="1"/>
+          </p:cNvSpPr>
+          <p:nvPr>
+            <p:ph type="sldNum" sz="quarter" idx="10"/>
+          </p:nvPr>
+        </p:nvSpPr>
+        <p:spPr/>
+        <p:txBody>
+          <a:bodyPr/>
+          <a:lstStyle/>
+          <a:p>
+            <a:fld id="{74AC173A-3DA8-4893-B28A-1E15F55C330A}" type="slidenum">
+              <a:rPr lang="zh-CN" altLang="en-US" smtClean="0"/>
               <a:t>11</a:t>
             </a:fld>
             <a:endParaRPr lang="zh-CN" altLang="en-US"/>
@@ -3442,7 +3615,7 @@
 </p:notes>
 </file>
 
-<file path=ppt/notesSlides/notesSlide5.xml><?xml version="1.0" encoding="utf-8"?>
+<file path=ppt/notesSlides/notesSlide6.xml><?xml version="1.0" encoding="utf-8"?>
 <p:notes xmlns:a="http://schemas.openxmlformats.org/drawingml/2006/main" xmlns:r="http://schemas.openxmlformats.org/officeDocument/2006/relationships" xmlns:p="http://schemas.openxmlformats.org/presentationml/2006/main">
   <p:cSld>
     <p:spTree>
@@ -3526,7 +3699,7 @@
 </p:notes>
 </file>
 
-<file path=ppt/notesSlides/notesSlide6.xml><?xml version="1.0" encoding="utf-8"?>
+<file path=ppt/notesSlides/notesSlide7.xml><?xml version="1.0" encoding="utf-8"?>
 <p:notes xmlns:a="http://schemas.openxmlformats.org/drawingml/2006/main" xmlns:r="http://schemas.openxmlformats.org/officeDocument/2006/relationships" xmlns:p="http://schemas.openxmlformats.org/presentationml/2006/main">
   <p:cSld>
     <p:spTree>
@@ -3610,7 +3783,7 @@
 </p:notes>
 </file>
 
-<file path=ppt/notesSlides/notesSlide7.xml><?xml version="1.0" encoding="utf-8"?>
+<file path=ppt/notesSlides/notesSlide8.xml><?xml version="1.0" encoding="utf-8"?>
 <p:notes xmlns:a="http://schemas.openxmlformats.org/drawingml/2006/main" xmlns:r="http://schemas.openxmlformats.org/officeDocument/2006/relationships" xmlns:p="http://schemas.openxmlformats.org/presentationml/2006/main">
   <p:cSld>
     <p:spTree>
@@ -3694,7 +3867,7 @@
 </p:notes>
 </file>
 
-<file path=ppt/notesSlides/notesSlide8.xml><?xml version="1.0" encoding="utf-8"?>
+<file path=ppt/notesSlides/notesSlide9.xml><?xml version="1.0" encoding="utf-8"?>
 <p:notes xmlns:a="http://schemas.openxmlformats.org/drawingml/2006/main" xmlns:r="http://schemas.openxmlformats.org/officeDocument/2006/relationships" xmlns:p="http://schemas.openxmlformats.org/presentationml/2006/main">
   <p:cSld>
     <p:spTree>
@@ -3769,90 +3942,6 @@
     <p:extLst>
       <p:ext uri="{BB962C8B-B14F-4D97-AF65-F5344CB8AC3E}">
         <p14:creationId xmlns:p14="http://schemas.microsoft.com/office/powerpoint/2010/main" val="2685485438"/>
-      </p:ext>
-    </p:extLst>
-  </p:cSld>
-  <p:clrMapOvr>
-    <a:masterClrMapping/>
-  </p:clrMapOvr>
-</p:notes>
-</file>
-
-<file path=ppt/notesSlides/notesSlide9.xml><?xml version="1.0" encoding="utf-8"?>
-<p:notes xmlns:a="http://schemas.openxmlformats.org/drawingml/2006/main" xmlns:r="http://schemas.openxmlformats.org/officeDocument/2006/relationships" xmlns:p="http://schemas.openxmlformats.org/presentationml/2006/main">
-  <p:cSld>
-    <p:spTree>
-      <p:nvGrpSpPr>
-        <p:cNvPr id="1" name=""/>
-        <p:cNvGrpSpPr/>
-        <p:nvPr/>
-      </p:nvGrpSpPr>
-      <p:grpSpPr>
-        <a:xfrm>
-          <a:off x="0" y="0"/>
-          <a:ext cx="0" cy="0"/>
-          <a:chOff x="0" y="0"/>
-          <a:chExt cx="0" cy="0"/>
-        </a:xfrm>
-      </p:grpSpPr>
-      <p:sp>
-        <p:nvSpPr>
-          <p:cNvPr id="2" name="幻灯片图像占位符 1"/>
-          <p:cNvSpPr>
-            <a:spLocks noGrp="1" noRot="1" noChangeAspect="1"/>
-          </p:cNvSpPr>
-          <p:nvPr>
-            <p:ph type="sldImg"/>
-          </p:nvPr>
-        </p:nvSpPr>
-        <p:spPr/>
-      </p:sp>
-      <p:sp>
-        <p:nvSpPr>
-          <p:cNvPr id="3" name="备注占位符 2"/>
-          <p:cNvSpPr>
-            <a:spLocks noGrp="1"/>
-          </p:cNvSpPr>
-          <p:nvPr>
-            <p:ph type="body" idx="1"/>
-          </p:nvPr>
-        </p:nvSpPr>
-        <p:spPr/>
-        <p:txBody>
-          <a:bodyPr/>
-          <a:lstStyle/>
-          <a:p>
-            <a:endParaRPr lang="zh-CN" altLang="en-US" dirty="0"/>
-          </a:p>
-        </p:txBody>
-      </p:sp>
-      <p:sp>
-        <p:nvSpPr>
-          <p:cNvPr id="4" name="灯片编号占位符 3"/>
-          <p:cNvSpPr>
-            <a:spLocks noGrp="1"/>
-          </p:cNvSpPr>
-          <p:nvPr>
-            <p:ph type="sldNum" sz="quarter" idx="10"/>
-          </p:nvPr>
-        </p:nvSpPr>
-        <p:spPr/>
-        <p:txBody>
-          <a:bodyPr/>
-          <a:lstStyle/>
-          <a:p>
-            <a:fld id="{74AC173A-3DA8-4893-B28A-1E15F55C330A}" type="slidenum">
-              <a:rPr lang="zh-CN" altLang="en-US" smtClean="0"/>
-              <a:t>17</a:t>
-            </a:fld>
-            <a:endParaRPr lang="zh-CN" altLang="en-US"/>
-          </a:p>
-        </p:txBody>
-      </p:sp>
-    </p:spTree>
-    <p:extLst>
-      <p:ext uri="{BB962C8B-B14F-4D97-AF65-F5344CB8AC3E}">
-        <p14:creationId xmlns:p14="http://schemas.microsoft.com/office/powerpoint/2010/main" val="3370325408"/>
       </p:ext>
     </p:extLst>
   </p:cSld>
@@ -7069,7 +7158,6 @@
               <a:rPr lang="en-US" sz="2400" dirty="0"/>
               <a:t>4</a:t>
             </a:r>
-            <a:endParaRPr lang="en-US" sz="2400" dirty="0"/>
           </a:p>
         </p:txBody>
       </p:sp>
@@ -7383,7 +7471,6 @@
               <a:rPr lang="en-US" sz="2400" dirty="0"/>
               <a:t>4</a:t>
             </a:r>
-            <a:endParaRPr lang="en-US" sz="2400" dirty="0"/>
           </a:p>
         </p:txBody>
       </p:sp>
@@ -9282,13 +9369,6 @@
               </a:rPr>
               <a:t>文档</a:t>
             </a:r>
-            <a:endParaRPr lang="zh-CN" altLang="en-US" sz="2665" dirty="0">
-              <a:solidFill>
-                <a:srgbClr val="183A5D"/>
-              </a:solidFill>
-              <a:latin typeface="微软雅黑" panose="020B0503020204020204" pitchFamily="34" charset="-122"/>
-              <a:ea typeface="微软雅黑" panose="020B0503020204020204" pitchFamily="34" charset="-122"/>
-            </a:endParaRPr>
           </a:p>
         </p:txBody>
       </p:sp>
@@ -10019,11 +10099,6 @@
               </a:rPr>
               <a:t>1</a:t>
             </a:r>
-            <a:endParaRPr lang="en-US" altLang="zh-CN" sz="3600" dirty="0">
-              <a:latin typeface="+mj-lt"/>
-              <a:ea typeface="Arial Unicode MS" panose="020B0604020202020204" pitchFamily="34" charset="-122"/>
-              <a:cs typeface="Arial Unicode MS" panose="020B0604020202020204" pitchFamily="34" charset="-122"/>
-            </a:endParaRPr>
           </a:p>
         </p:txBody>
       </p:sp>
@@ -10554,11 +10629,6 @@
               </a:rPr>
               <a:t>2</a:t>
             </a:r>
-            <a:endParaRPr lang="en-US" altLang="zh-CN" sz="3600" dirty="0">
-              <a:latin typeface="+mj-lt"/>
-              <a:ea typeface="Arial Unicode MS" panose="020B0604020202020204" pitchFamily="34" charset="-122"/>
-              <a:cs typeface="Arial Unicode MS" panose="020B0604020202020204" pitchFamily="34" charset="-122"/>
-            </a:endParaRPr>
           </a:p>
         </p:txBody>
       </p:sp>
@@ -10741,11 +10811,6 @@
               </a:rPr>
               <a:t>3</a:t>
             </a:r>
-            <a:endParaRPr lang="en-US" altLang="zh-CN" sz="3600" dirty="0">
-              <a:latin typeface="+mj-lt"/>
-              <a:ea typeface="Arial Unicode MS" panose="020B0604020202020204" pitchFamily="34" charset="-122"/>
-              <a:cs typeface="Arial Unicode MS" panose="020B0604020202020204" pitchFamily="34" charset="-122"/>
-            </a:endParaRPr>
           </a:p>
         </p:txBody>
       </p:sp>
@@ -10928,11 +10993,6 @@
               </a:rPr>
               <a:t>4</a:t>
             </a:r>
-            <a:endParaRPr lang="en-US" altLang="zh-CN" sz="3600" dirty="0">
-              <a:latin typeface="+mj-lt"/>
-              <a:ea typeface="Arial Unicode MS" panose="020B0604020202020204" pitchFamily="34" charset="-122"/>
-              <a:cs typeface="Arial Unicode MS" panose="020B0604020202020204" pitchFamily="34" charset="-122"/>
-            </a:endParaRPr>
           </a:p>
         </p:txBody>
       </p:sp>
@@ -11115,11 +11175,6 @@
               </a:rPr>
               <a:t>5</a:t>
             </a:r>
-            <a:endParaRPr lang="en-US" altLang="zh-CN" sz="3600" dirty="0">
-              <a:latin typeface="+mj-lt"/>
-              <a:ea typeface="Arial Unicode MS" panose="020B0604020202020204" pitchFamily="34" charset="-122"/>
-              <a:cs typeface="Arial Unicode MS" panose="020B0604020202020204" pitchFamily="34" charset="-122"/>
-            </a:endParaRPr>
           </a:p>
         </p:txBody>
       </p:sp>
@@ -11302,11 +11357,6 @@
               </a:rPr>
               <a:t>6</a:t>
             </a:r>
-            <a:endParaRPr lang="en-US" altLang="zh-CN" sz="3600" dirty="0">
-              <a:latin typeface="+mj-lt"/>
-              <a:ea typeface="Arial Unicode MS" panose="020B0604020202020204" pitchFamily="34" charset="-122"/>
-              <a:cs typeface="Arial Unicode MS" panose="020B0604020202020204" pitchFamily="34" charset="-122"/>
-            </a:endParaRPr>
           </a:p>
         </p:txBody>
       </p:sp>
@@ -15725,43 +15775,23 @@
             </a:r>
             <a:r>
               <a:rPr lang="en-US" altLang="zh-CN" sz="2800" dirty="0" smtClean="0"/>
-              <a:t>0.2</a:t>
+              <a:t>0.2, </a:t>
+            </a:r>
+            <a:r>
+              <a:rPr lang="zh-CN" altLang="en-US" sz="2800" dirty="0" smtClean="0"/>
+              <a:t>教师代表</a:t>
             </a:r>
             <a:r>
               <a:rPr lang="en-US" altLang="zh-CN" sz="2800" dirty="0" smtClean="0"/>
-              <a:t>, </a:t>
+              <a:t>1, </a:t>
             </a:r>
             <a:r>
               <a:rPr lang="zh-CN" altLang="en-US" sz="2800" dirty="0" smtClean="0"/>
-              <a:t>教师</a:t>
-            </a:r>
-            <a:r>
-              <a:rPr lang="zh-CN" altLang="en-US" sz="2800" dirty="0" smtClean="0"/>
-              <a:t>代表</a:t>
+              <a:t>用户代表</a:t>
             </a:r>
             <a:r>
               <a:rPr lang="en-US" altLang="zh-CN" sz="2800" dirty="0" smtClean="0"/>
-              <a:t>1</a:t>
-            </a:r>
-            <a:r>
-              <a:rPr lang="en-US" altLang="zh-CN" sz="2800" dirty="0" smtClean="0"/>
-              <a:t>, </a:t>
-            </a:r>
-            <a:r>
-              <a:rPr lang="zh-CN" altLang="en-US" sz="2800" dirty="0" smtClean="0"/>
-              <a:t>用户</a:t>
-            </a:r>
-            <a:r>
-              <a:rPr lang="zh-CN" altLang="en-US" sz="2800" dirty="0" smtClean="0"/>
-              <a:t>代表</a:t>
-            </a:r>
-            <a:r>
-              <a:rPr lang="en-US" altLang="zh-CN" sz="2800" dirty="0" smtClean="0"/>
-              <a:t>1</a:t>
-            </a:r>
-            <a:r>
-              <a:rPr lang="en-US" altLang="zh-CN" sz="2800" dirty="0" smtClean="0"/>
-              <a:t>, </a:t>
+              <a:t>1, </a:t>
             </a:r>
             <a:r>
               <a:rPr lang="zh-CN" altLang="en-US" sz="2800" dirty="0" smtClean="0"/>
@@ -15895,7 +15925,6 @@
               <a:rPr lang="en-US" sz="2400" dirty="0"/>
               <a:t>9</a:t>
             </a:r>
-            <a:endParaRPr lang="en-US" sz="2400" dirty="0"/>
           </a:p>
         </p:txBody>
       </p:sp>
@@ -15983,13 +16012,6 @@
               </a:rPr>
               <a:t>详见对话框图</a:t>
             </a:r>
-            <a:endParaRPr lang="zh-CN" altLang="en-US" sz="2665" dirty="0">
-              <a:solidFill>
-                <a:srgbClr val="183A5D"/>
-              </a:solidFill>
-              <a:latin typeface="微软雅黑" panose="020B0503020204020204" pitchFamily="34" charset="-122"/>
-              <a:ea typeface="微软雅黑" panose="020B0503020204020204" pitchFamily="34" charset="-122"/>
-            </a:endParaRPr>
           </a:p>
         </p:txBody>
       </p:sp>
@@ -16142,7 +16164,6 @@
               <a:rPr lang="en-US" sz="2400" dirty="0"/>
               <a:t>9</a:t>
             </a:r>
-            <a:endParaRPr lang="en-US" sz="2400" dirty="0"/>
           </a:p>
         </p:txBody>
       </p:sp>
@@ -19915,11 +19936,7 @@
           <a:p>
             <a:r>
               <a:rPr lang="en-US" altLang="zh-CN" sz="2000" dirty="0" smtClean="0"/>
-              <a:t>[1] </a:t>
-            </a:r>
-            <a:r>
-              <a:rPr lang="en-US" altLang="zh-CN" sz="2000" dirty="0" smtClean="0"/>
-              <a:t>UML2 </a:t>
+              <a:t>[1] UML2 </a:t>
             </a:r>
             <a:r>
               <a:rPr lang="zh-CN" altLang="en-US" sz="2000" dirty="0"/>
@@ -19996,7 +20013,6 @@
               <a:rPr lang="zh-CN" altLang="en-US" sz="2000" dirty="0"/>
               <a:t>说明书 </a:t>
             </a:r>
-            <a:endParaRPr lang="zh-CN" altLang="en-US" sz="2000" dirty="0"/>
           </a:p>
         </p:txBody>
       </p:sp>
@@ -20296,7 +20312,6 @@
               <a:rPr lang="en-US" altLang="zh-CN" sz="2000" dirty="0"/>
               <a:t>)</a:t>
             </a:r>
-            <a:endParaRPr lang="en-US" altLang="zh-CN" sz="2000" dirty="0"/>
           </a:p>
         </p:txBody>
       </p:sp>
@@ -20698,11 +20713,17 @@
           <p:cNvGraphicFramePr>
             <a:graphicFrameLocks noGrp="1"/>
           </p:cNvGraphicFramePr>
-          <p:nvPr/>
+          <p:nvPr>
+            <p:extLst>
+              <p:ext uri="{D42A27DB-BD31-4B8C-83A1-F6EECF244321}">
+                <p14:modId xmlns:p14="http://schemas.microsoft.com/office/powerpoint/2010/main" val="2982611240"/>
+              </p:ext>
+            </p:extLst>
+          </p:nvPr>
         </p:nvGraphicFramePr>
         <p:xfrm>
-          <a:off x="3070869" y="189434"/>
-          <a:ext cx="8856984" cy="6497196"/>
+          <a:off x="3214886" y="333450"/>
+          <a:ext cx="8424936" cy="6316943"/>
         </p:xfrm>
         <a:graphic>
           <a:graphicData uri="http://schemas.openxmlformats.org/drawingml/2006/table">
@@ -20711,21 +20732,21 @@
                 <a:tableStyleId>{5C22544A-7EE6-4342-B048-85BDC9FD1C3A}</a:tableStyleId>
               </a:tblPr>
               <a:tblGrid>
-                <a:gridCol w="2952328">
+                <a:gridCol w="2808312">
                   <a:extLst>
                     <a:ext uri="{9D8B030D-6E8A-4147-A177-3AD203B41FA5}">
                       <a16:colId xmlns:a16="http://schemas.microsoft.com/office/drawing/2014/main" val="20000"/>
                     </a:ext>
                   </a:extLst>
                 </a:gridCol>
-                <a:gridCol w="2952328">
+                <a:gridCol w="2808312">
                   <a:extLst>
                     <a:ext uri="{9D8B030D-6E8A-4147-A177-3AD203B41FA5}">
                       <a16:colId xmlns:a16="http://schemas.microsoft.com/office/drawing/2014/main" val="20001"/>
                     </a:ext>
                   </a:extLst>
                 </a:gridCol>
-                <a:gridCol w="2952328">
+                <a:gridCol w="2808312">
                   <a:extLst>
                     <a:ext uri="{9D8B030D-6E8A-4147-A177-3AD203B41FA5}">
                       <a16:colId xmlns:a16="http://schemas.microsoft.com/office/drawing/2014/main" val="20002"/>
@@ -20733,7 +20754,7 @@
                   </a:extLst>
                 </a:gridCol>
               </a:tblGrid>
-              <a:tr h="638555">
+              <a:tr h="415747">
                 <a:tc>
                   <a:txBody>
                     <a:bodyPr/>
@@ -20779,7 +20800,7 @@
                   </a:ext>
                 </a:extLst>
               </a:tr>
-              <a:tr h="1420761">
+              <a:tr h="1068115">
                 <a:tc>
                   <a:txBody>
                     <a:bodyPr/>
@@ -20836,7 +20857,7 @@
                   </a:ext>
                 </a:extLst>
               </a:tr>
-              <a:tr h="1135207">
+              <a:tr h="1319437">
                 <a:tc>
                   <a:txBody>
                     <a:bodyPr/>
@@ -20857,17 +20878,34 @@
                     <a:lstStyle/>
                     <a:p>
                       <a:r>
-                        <a:rPr lang="zh-CN" altLang="en-US" sz="2400" dirty="0"/>
-                        <a:t>可行性分析报告，</a:t>
+                        <a:rPr lang="zh-CN" altLang="en-US" sz="2400" dirty="0" smtClean="0"/>
+                        <a:t>编写用例描述，用例图，编写</a:t>
                       </a:r>
                       <a:r>
-                        <a:rPr lang="en-US" altLang="zh-CN" sz="2400" dirty="0"/>
-                        <a:t>GIT</a:t>
+                        <a:rPr lang="en-US" altLang="zh-CN" sz="2400" dirty="0" smtClean="0"/>
+                        <a:t>QFD</a:t>
                       </a:r>
                       <a:r>
-                        <a:rPr lang="zh-CN" altLang="en-US" sz="2400" dirty="0"/>
-                        <a:t>管理，支持条件，</a:t>
+                        <a:rPr lang="zh-CN" altLang="en-US" sz="2400" dirty="0" smtClean="0"/>
+                        <a:t>打分表，编写</a:t>
                       </a:r>
+                      <a:r>
+                        <a:rPr lang="en-US" altLang="zh-CN" sz="2400" dirty="0" smtClean="0"/>
+                        <a:t>UML</a:t>
+                      </a:r>
+                      <a:r>
+                        <a:rPr lang="zh-CN" altLang="en-US" sz="2400" dirty="0" smtClean="0"/>
+                        <a:t>顺序图，</a:t>
+                      </a:r>
+                      <a:r>
+                        <a:rPr lang="en-US" altLang="zh-CN" sz="2400" dirty="0" smtClean="0"/>
+                        <a:t>UML</a:t>
+                      </a:r>
+                      <a:r>
+                        <a:rPr lang="zh-CN" altLang="en-US" sz="2400" dirty="0" smtClean="0"/>
+                        <a:t>对话框图</a:t>
+                      </a:r>
+                      <a:endParaRPr lang="zh-CN" altLang="en-US" sz="2400" dirty="0"/>
                     </a:p>
                   </a:txBody>
                   <a:tcPr/>
@@ -20893,7 +20931,7 @@
                   </a:ext>
                 </a:extLst>
               </a:tr>
-              <a:tr h="978746">
+              <a:tr h="637236">
                 <a:tc>
                   <a:txBody>
                     <a:bodyPr/>
@@ -20914,7 +20952,7 @@
                     <a:lstStyle/>
                     <a:p>
                       <a:r>
-                        <a:rPr lang="zh-CN" altLang="en-US" sz="2400"/>
+                        <a:rPr lang="zh-CN" altLang="en-US" sz="2400" dirty="0"/>
                         <a:t>项目预算，成本管理，风险计划</a:t>
                       </a:r>
                     </a:p>
@@ -20942,7 +20980,7 @@
                   </a:ext>
                 </a:extLst>
               </a:tr>
-              <a:tr h="1135207">
+              <a:tr h="739103">
                 <a:tc>
                   <a:txBody>
                     <a:bodyPr/>
@@ -20995,7 +21033,7 @@
                   </a:ext>
                 </a:extLst>
               </a:tr>
-              <a:tr h="1135207">
+              <a:tr h="739103">
                 <a:tc>
                   <a:txBody>
                     <a:bodyPr/>
@@ -21016,29 +21054,10 @@
                     <a:lstStyle/>
                     <a:p>
                       <a:r>
-                        <a:rPr lang="zh-CN" altLang="en-US" sz="2400" dirty="0"/>
-                        <a:t>答辩</a:t>
+                        <a:rPr lang="zh-CN" altLang="en-US" sz="2400" dirty="0" smtClean="0"/>
+                        <a:t>手机部分界面原型</a:t>
                       </a:r>
-                      <a:r>
-                        <a:rPr lang="en-US" altLang="zh-CN" sz="2400" dirty="0"/>
-                        <a:t>PPT</a:t>
-                      </a:r>
-                      <a:r>
-                        <a:rPr lang="zh-CN" altLang="en-US" sz="2400" dirty="0"/>
-                        <a:t>的制作，</a:t>
-                      </a:r>
-                      <a:r>
-                        <a:rPr lang="en-US" altLang="zh-CN" sz="2400" dirty="0"/>
-                        <a:t>wbs-</a:t>
-                      </a:r>
-                      <a:r>
-                        <a:rPr lang="en-US" altLang="zh-CN" sz="2400" dirty="0" err="1"/>
-                        <a:t>io</a:t>
-                      </a:r>
-                      <a:r>
-                        <a:rPr lang="zh-CN" altLang="en-US" sz="2400" dirty="0"/>
-                        <a:t>的制作，项目章程</a:t>
-                      </a:r>
+                      <a:endParaRPr lang="zh-CN" altLang="en-US" sz="2400" dirty="0"/>
                     </a:p>
                   </a:txBody>
                   <a:tcPr/>
@@ -28417,14 +28436,14 @@
           <p:nvPr>
             <p:extLst>
               <p:ext uri="{D42A27DB-BD31-4B8C-83A1-F6EECF244321}">
-                <p14:modId xmlns:p14="http://schemas.microsoft.com/office/powerpoint/2010/main" val="3655185619"/>
+                <p14:modId xmlns:p14="http://schemas.microsoft.com/office/powerpoint/2010/main" val="3264554406"/>
               </p:ext>
             </p:extLst>
           </p:nvPr>
         </p:nvGraphicFramePr>
         <p:xfrm>
-          <a:off x="1270670" y="1125538"/>
-          <a:ext cx="9721080" cy="4968551"/>
+          <a:off x="1270670" y="1125539"/>
+          <a:ext cx="9721080" cy="5040560"/>
         </p:xfrm>
         <a:graphic>
           <a:graphicData uri="http://schemas.openxmlformats.org/drawingml/2006/table">
@@ -28453,7 +28472,7 @@
                   </a:extLst>
                 </a:gridCol>
               </a:tblGrid>
-              <a:tr h="504718">
+              <a:tr h="512033">
                 <a:tc>
                   <a:txBody>
                     <a:bodyPr/>
@@ -28667,7 +28686,7 @@
                   </a:ext>
                 </a:extLst>
               </a:tr>
-              <a:tr h="504718">
+              <a:tr h="512033">
                 <a:tc>
                   <a:txBody>
                     <a:bodyPr/>
@@ -28854,8 +28873,8 @@
                   </a:ext>
                 </a:extLst>
               </a:tr>
-              <a:tr h="989322">
-                <a:tc rowSpan="3">
+              <a:tr h="1003660">
+                <a:tc rowSpan="4">
                   <a:txBody>
                     <a:bodyPr/>
                     <a:lstStyle/>
@@ -29041,7 +29060,7 @@
                   </a:ext>
                 </a:extLst>
               </a:tr>
-              <a:tr h="989322">
+              <a:tr h="1003660">
                 <a:tc vMerge="1">
                   <a:txBody>
                     <a:bodyPr/>
@@ -29123,7 +29142,7 @@
                         </a:spcAft>
                       </a:pPr>
                       <a:r>
-                        <a:rPr lang="zh-CN" sz="2400" kern="100">
+                        <a:rPr lang="zh-CN" sz="2400" kern="100" dirty="0">
                           <a:effectLst/>
                           <a:latin typeface="Calibri" panose="020F0502020204030204" pitchFamily="34" charset="0"/>
                           <a:ea typeface="宋体" panose="02010600030101010101" pitchFamily="2" charset="-122"/>
@@ -29178,7 +29197,7 @@
                   </a:ext>
                 </a:extLst>
               </a:tr>
-              <a:tr h="1980471">
+              <a:tr h="1004587">
                 <a:tc vMerge="1">
                   <a:txBody>
                     <a:bodyPr/>
@@ -29200,7 +29219,7 @@
                         </a:spcAft>
                       </a:pPr>
                       <a:r>
-                        <a:rPr lang="zh-CN" sz="2400" kern="100">
+                        <a:rPr lang="zh-CN" sz="2400" kern="100" dirty="0">
                           <a:effectLst/>
                           <a:latin typeface="Calibri" panose="020F0502020204030204" pitchFamily="34" charset="0"/>
                           <a:ea typeface="宋体" panose="02010600030101010101" pitchFamily="2" charset="-122"/>
@@ -29312,6 +29331,155 @@
                 <a:extLst>
                   <a:ext uri="{0D108BD9-81ED-4DB2-BD59-A6C34878D82A}">
                     <a16:rowId xmlns:a16="http://schemas.microsoft.com/office/drawing/2014/main" val="3725310601"/>
+                  </a:ext>
+                </a:extLst>
+              </a:tr>
+              <a:tr h="1004587">
+                <a:tc vMerge="1">
+                  <a:txBody>
+                    <a:bodyPr/>
+                    <a:lstStyle/>
+                    <a:p>
+                      <a:endParaRPr lang="zh-CN" altLang="en-US"/>
+                    </a:p>
+                  </a:txBody>
+                  <a:tcPr/>
+                </a:tc>
+                <a:tc>
+                  <a:txBody>
+                    <a:bodyPr/>
+                    <a:lstStyle/>
+                    <a:p>
+                      <a:pPr indent="266700" algn="ctr">
+                        <a:spcAft>
+                          <a:spcPts val="0"/>
+                        </a:spcAft>
+                      </a:pPr>
+                      <a:r>
+                        <a:rPr lang="zh-CN" altLang="en-US" sz="2400" kern="100" dirty="0" smtClean="0">
+                          <a:effectLst/>
+                          <a:latin typeface="Calibri" panose="020F0502020204030204" pitchFamily="34" charset="0"/>
+                          <a:ea typeface="宋体" panose="02010600030101010101" pitchFamily="2" charset="-122"/>
+                          <a:cs typeface="Times New Roman" panose="02020603050405020304" pitchFamily="18" charset="0"/>
+                        </a:rPr>
+                        <a:t>游客</a:t>
+                      </a:r>
+                      <a:endParaRPr lang="zh-CN" sz="2400" kern="100" dirty="0">
+                        <a:effectLst/>
+                        <a:latin typeface="Calibri" panose="020F0502020204030204" pitchFamily="34" charset="0"/>
+                        <a:ea typeface="宋体" panose="02010600030101010101" pitchFamily="2" charset="-122"/>
+                        <a:cs typeface="Times New Roman" panose="02020603050405020304" pitchFamily="18" charset="0"/>
+                      </a:endParaRPr>
+                    </a:p>
+                  </a:txBody>
+                  <a:tcPr marL="68580" marR="68580" marT="0" marB="0" anchor="ctr">
+                    <a:lnL w="12700" cap="flat" cmpd="sng" algn="ctr">
+                      <a:solidFill>
+                        <a:srgbClr val="000000"/>
+                      </a:solidFill>
+                      <a:prstDash val="solid"/>
+                      <a:round/>
+                      <a:headEnd type="none" w="med" len="med"/>
+                      <a:tailEnd type="none" w="med" len="med"/>
+                    </a:lnL>
+                    <a:lnR w="12700" cap="flat" cmpd="sng" algn="ctr">
+                      <a:solidFill>
+                        <a:srgbClr val="000000"/>
+                      </a:solidFill>
+                      <a:prstDash val="solid"/>
+                      <a:round/>
+                      <a:headEnd type="none" w="med" len="med"/>
+                      <a:tailEnd type="none" w="med" len="med"/>
+                    </a:lnR>
+                    <a:lnT w="12700" cap="flat" cmpd="sng" algn="ctr">
+                      <a:solidFill>
+                        <a:srgbClr val="000000"/>
+                      </a:solidFill>
+                      <a:prstDash val="solid"/>
+                      <a:round/>
+                      <a:headEnd type="none" w="med" len="med"/>
+                      <a:tailEnd type="none" w="med" len="med"/>
+                    </a:lnT>
+                    <a:lnB w="12700" cap="flat" cmpd="sng" algn="ctr">
+                      <a:solidFill>
+                        <a:srgbClr val="000000"/>
+                      </a:solidFill>
+                      <a:prstDash val="solid"/>
+                      <a:round/>
+                      <a:headEnd type="none" w="med" len="med"/>
+                      <a:tailEnd type="none" w="med" len="med"/>
+                    </a:lnB>
+                  </a:tcPr>
+                </a:tc>
+                <a:tc>
+                  <a:txBody>
+                    <a:bodyPr/>
+                    <a:lstStyle/>
+                    <a:p>
+                      <a:pPr indent="266700" algn="ctr">
+                        <a:spcAft>
+                          <a:spcPts val="0"/>
+                        </a:spcAft>
+                      </a:pPr>
+                      <a:r>
+                        <a:rPr lang="zh-CN" altLang="en-US" sz="2400" kern="100" dirty="0" smtClean="0">
+                          <a:effectLst/>
+                          <a:latin typeface="Calibri" panose="020F0502020204030204" pitchFamily="34" charset="0"/>
+                          <a:ea typeface="宋体" panose="02010600030101010101" pitchFamily="2" charset="-122"/>
+                          <a:cs typeface="Times New Roman" panose="02020603050405020304" pitchFamily="18" charset="0"/>
+                        </a:rPr>
+                        <a:t>能提供简单的浏览网站的功能</a:t>
+                      </a:r>
+                      <a:endParaRPr lang="zh-CN" sz="2400" kern="100" dirty="0">
+                        <a:effectLst/>
+                        <a:latin typeface="Calibri" panose="020F0502020204030204" pitchFamily="34" charset="0"/>
+                        <a:ea typeface="宋体" panose="02010600030101010101" pitchFamily="2" charset="-122"/>
+                        <a:cs typeface="Times New Roman" panose="02020603050405020304" pitchFamily="18" charset="0"/>
+                      </a:endParaRPr>
+                    </a:p>
+                  </a:txBody>
+                  <a:tcPr marL="68580" marR="68580" marT="0" marB="0" anchor="ctr">
+                    <a:lnL w="12700" cap="flat" cmpd="sng" algn="ctr">
+                      <a:solidFill>
+                        <a:srgbClr val="000000"/>
+                      </a:solidFill>
+                      <a:prstDash val="solid"/>
+                      <a:round/>
+                      <a:headEnd type="none" w="med" len="med"/>
+                      <a:tailEnd type="none" w="med" len="med"/>
+                    </a:lnL>
+                    <a:lnR w="12700" cap="flat" cmpd="sng" algn="ctr">
+                      <a:solidFill>
+                        <a:srgbClr val="000000"/>
+                      </a:solidFill>
+                      <a:prstDash val="solid"/>
+                      <a:round/>
+                      <a:headEnd type="none" w="med" len="med"/>
+                      <a:tailEnd type="none" w="med" len="med"/>
+                    </a:lnR>
+                    <a:lnT w="12700" cap="flat" cmpd="sng" algn="ctr">
+                      <a:solidFill>
+                        <a:srgbClr val="000000"/>
+                      </a:solidFill>
+                      <a:prstDash val="solid"/>
+                      <a:round/>
+                      <a:headEnd type="none" w="med" len="med"/>
+                      <a:tailEnd type="none" w="med" len="med"/>
+                    </a:lnT>
+                    <a:lnB w="12700" cap="flat" cmpd="sng" algn="ctr">
+                      <a:solidFill>
+                        <a:srgbClr val="000000"/>
+                      </a:solidFill>
+                      <a:prstDash val="solid"/>
+                      <a:round/>
+                      <a:headEnd type="none" w="med" len="med"/>
+                      <a:tailEnd type="none" w="med" len="med"/>
+                    </a:lnB>
+                  </a:tcPr>
+                </a:tc>
+                <a:extLst>
+                  <a:ext uri="{0D108BD9-81ED-4DB2-BD59-A6C34878D82A}">
+                    <a16:rowId xmlns:a16="http://schemas.microsoft.com/office/drawing/2014/main" val="4173221501"/>
                   </a:ext>
                 </a:extLst>
               </a:tr>
@@ -30239,7 +30407,6 @@
               <a:rPr lang="en-US" sz="2400" dirty="0"/>
               <a:t>3</a:t>
             </a:r>
-            <a:endParaRPr lang="en-US" sz="2400" dirty="0"/>
           </a:p>
         </p:txBody>
       </p:sp>
